--- a/Archive/Images_and_Diagrams.pptx
+++ b/Archive/Images_and_Diagrams.pptx
@@ -13,6 +13,7 @@
     <p:sldId id="262" r:id="rId7"/>
     <p:sldId id="263" r:id="rId8"/>
     <p:sldId id="264" r:id="rId9"/>
+    <p:sldId id="266" r:id="rId10"/>
   </p:sldIdLst>
   <p:sldSz cx="12192000" cy="6858000"/>
   <p:notesSz cx="6858000" cy="9144000"/>
@@ -266,7 +267,7 @@
           <a:p>
             <a:fld id="{2CA978D4-43BA-4AC1-AB57-27ECF177AC65}" type="datetimeFigureOut">
               <a:rPr lang="en-US" smtClean="0"/>
-              <a:t>2023-03-27</a:t>
+              <a:t>2023-04-19</a:t>
             </a:fld>
             <a:endParaRPr lang="en-US"/>
           </a:p>
@@ -464,7 +465,7 @@
           <a:p>
             <a:fld id="{2CA978D4-43BA-4AC1-AB57-27ECF177AC65}" type="datetimeFigureOut">
               <a:rPr lang="en-US" smtClean="0"/>
-              <a:t>2023-03-27</a:t>
+              <a:t>2023-04-19</a:t>
             </a:fld>
             <a:endParaRPr lang="en-US"/>
           </a:p>
@@ -672,7 +673,7 @@
           <a:p>
             <a:fld id="{2CA978D4-43BA-4AC1-AB57-27ECF177AC65}" type="datetimeFigureOut">
               <a:rPr lang="en-US" smtClean="0"/>
-              <a:t>2023-03-27</a:t>
+              <a:t>2023-04-19</a:t>
             </a:fld>
             <a:endParaRPr lang="en-US"/>
           </a:p>
@@ -870,7 +871,7 @@
           <a:p>
             <a:fld id="{2CA978D4-43BA-4AC1-AB57-27ECF177AC65}" type="datetimeFigureOut">
               <a:rPr lang="en-US" smtClean="0"/>
-              <a:t>2023-03-27</a:t>
+              <a:t>2023-04-19</a:t>
             </a:fld>
             <a:endParaRPr lang="en-US"/>
           </a:p>
@@ -1145,7 +1146,7 @@
           <a:p>
             <a:fld id="{2CA978D4-43BA-4AC1-AB57-27ECF177AC65}" type="datetimeFigureOut">
               <a:rPr lang="en-US" smtClean="0"/>
-              <a:t>2023-03-27</a:t>
+              <a:t>2023-04-19</a:t>
             </a:fld>
             <a:endParaRPr lang="en-US"/>
           </a:p>
@@ -1410,7 +1411,7 @@
           <a:p>
             <a:fld id="{2CA978D4-43BA-4AC1-AB57-27ECF177AC65}" type="datetimeFigureOut">
               <a:rPr lang="en-US" smtClean="0"/>
-              <a:t>2023-03-27</a:t>
+              <a:t>2023-04-19</a:t>
             </a:fld>
             <a:endParaRPr lang="en-US"/>
           </a:p>
@@ -1822,7 +1823,7 @@
           <a:p>
             <a:fld id="{2CA978D4-43BA-4AC1-AB57-27ECF177AC65}" type="datetimeFigureOut">
               <a:rPr lang="en-US" smtClean="0"/>
-              <a:t>2023-03-27</a:t>
+              <a:t>2023-04-19</a:t>
             </a:fld>
             <a:endParaRPr lang="en-US"/>
           </a:p>
@@ -1963,7 +1964,7 @@
           <a:p>
             <a:fld id="{2CA978D4-43BA-4AC1-AB57-27ECF177AC65}" type="datetimeFigureOut">
               <a:rPr lang="en-US" smtClean="0"/>
-              <a:t>2023-03-27</a:t>
+              <a:t>2023-04-19</a:t>
             </a:fld>
             <a:endParaRPr lang="en-US"/>
           </a:p>
@@ -2076,7 +2077,7 @@
           <a:p>
             <a:fld id="{2CA978D4-43BA-4AC1-AB57-27ECF177AC65}" type="datetimeFigureOut">
               <a:rPr lang="en-US" smtClean="0"/>
-              <a:t>2023-03-27</a:t>
+              <a:t>2023-04-19</a:t>
             </a:fld>
             <a:endParaRPr lang="en-US"/>
           </a:p>
@@ -2387,7 +2388,7 @@
           <a:p>
             <a:fld id="{2CA978D4-43BA-4AC1-AB57-27ECF177AC65}" type="datetimeFigureOut">
               <a:rPr lang="en-US" smtClean="0"/>
-              <a:t>2023-03-27</a:t>
+              <a:t>2023-04-19</a:t>
             </a:fld>
             <a:endParaRPr lang="en-US"/>
           </a:p>
@@ -2675,7 +2676,7 @@
           <a:p>
             <a:fld id="{2CA978D4-43BA-4AC1-AB57-27ECF177AC65}" type="datetimeFigureOut">
               <a:rPr lang="en-US" smtClean="0"/>
-              <a:t>2023-03-27</a:t>
+              <a:t>2023-04-19</a:t>
             </a:fld>
             <a:endParaRPr lang="en-US"/>
           </a:p>
@@ -2916,7 +2917,7 @@
           <a:p>
             <a:fld id="{2CA978D4-43BA-4AC1-AB57-27ECF177AC65}" type="datetimeFigureOut">
               <a:rPr lang="en-US" smtClean="0"/>
-              <a:t>2023-03-27</a:t>
+              <a:t>2023-04-19</a:t>
             </a:fld>
             <a:endParaRPr lang="en-US"/>
           </a:p>
@@ -31865,8 +31866,8 @@
           </p:sp>
         </mc:Fallback>
       </mc:AlternateContent>
-      <mc:AlternateContent xmlns:mc="http://schemas.openxmlformats.org/markup-compatibility/2006">
-        <mc:Choice xmlns:a14="http://schemas.microsoft.com/office/drawing/2010/main" Requires="a14">
+      <mc:AlternateContent xmlns:mc="http://schemas.openxmlformats.org/markup-compatibility/2006" xmlns:a14="http://schemas.microsoft.com/office/drawing/2010/main">
+        <mc:Choice Requires="a14">
           <p:sp>
             <p:nvSpPr>
               <p:cNvPr id="5" name="TextBox 4">
@@ -32002,7 +32003,7 @@
             </p:txBody>
           </p:sp>
         </mc:Choice>
-        <mc:Fallback>
+        <mc:Fallback xmlns="">
           <p:sp>
             <p:nvSpPr>
               <p:cNvPr id="5" name="TextBox 4">
@@ -32202,6 +32203,904 @@
 </p:sld>
 </file>
 
+<file path=ppt/slides/slide9.xml><?xml version="1.0" encoding="utf-8"?>
+<p:sld xmlns:a="http://schemas.openxmlformats.org/drawingml/2006/main" xmlns:r="http://schemas.openxmlformats.org/officeDocument/2006/relationships" xmlns:p="http://schemas.openxmlformats.org/presentationml/2006/main">
+  <p:cSld>
+    <p:spTree>
+      <p:nvGrpSpPr>
+        <p:cNvPr id="1" name=""/>
+        <p:cNvGrpSpPr/>
+        <p:nvPr/>
+      </p:nvGrpSpPr>
+      <p:grpSpPr>
+        <a:xfrm>
+          <a:off x="0" y="0"/>
+          <a:ext cx="0" cy="0"/>
+          <a:chOff x="0" y="0"/>
+          <a:chExt cx="0" cy="0"/>
+        </a:xfrm>
+      </p:grpSpPr>
+      <p:grpSp>
+        <p:nvGrpSpPr>
+          <p:cNvPr id="38" name="Group 37">
+            <a:extLst>
+              <a:ext uri="{FF2B5EF4-FFF2-40B4-BE49-F238E27FC236}">
+                <a16:creationId xmlns:a16="http://schemas.microsoft.com/office/drawing/2014/main" id="{20169D98-2743-AD0E-DC4C-BFFC58117736}"/>
+              </a:ext>
+            </a:extLst>
+          </p:cNvPr>
+          <p:cNvGrpSpPr/>
+          <p:nvPr/>
+        </p:nvGrpSpPr>
+        <p:grpSpPr>
+          <a:xfrm>
+            <a:off x="4388011" y="921590"/>
+            <a:ext cx="3702531" cy="4542108"/>
+            <a:chOff x="4388011" y="921590"/>
+            <a:chExt cx="3702531" cy="4542108"/>
+          </a:xfrm>
+        </p:grpSpPr>
+        <p:sp>
+          <p:nvSpPr>
+            <p:cNvPr id="2" name="Rectangle 1">
+              <a:extLst>
+                <a:ext uri="{FF2B5EF4-FFF2-40B4-BE49-F238E27FC236}">
+                  <a16:creationId xmlns:a16="http://schemas.microsoft.com/office/drawing/2014/main" id="{A3BDE788-4615-4A76-A937-F6E60390D634}"/>
+                </a:ext>
+              </a:extLst>
+            </p:cNvPr>
+            <p:cNvSpPr>
+              <a:spLocks noChangeAspect="1"/>
+            </p:cNvSpPr>
+            <p:nvPr/>
+          </p:nvSpPr>
+          <p:spPr>
+            <a:xfrm>
+              <a:off x="6095999" y="2503859"/>
+              <a:ext cx="1582271" cy="1582271"/>
+            </a:xfrm>
+            <a:prstGeom prst="rect">
+              <a:avLst/>
+            </a:prstGeom>
+            <a:solidFill>
+              <a:schemeClr val="accent3"/>
+            </a:solidFill>
+            <a:ln>
+              <a:solidFill>
+                <a:schemeClr val="tx1"/>
+              </a:solidFill>
+            </a:ln>
+          </p:spPr>
+          <p:style>
+            <a:lnRef idx="2">
+              <a:schemeClr val="accent1">
+                <a:shade val="50000"/>
+              </a:schemeClr>
+            </a:lnRef>
+            <a:fillRef idx="1">
+              <a:schemeClr val="accent1"/>
+            </a:fillRef>
+            <a:effectRef idx="0">
+              <a:schemeClr val="accent1"/>
+            </a:effectRef>
+            <a:fontRef idx="minor">
+              <a:schemeClr val="lt1"/>
+            </a:fontRef>
+          </p:style>
+          <p:txBody>
+            <a:bodyPr rtlCol="0" anchor="ctr"/>
+            <a:lstStyle/>
+            <a:p>
+              <a:pPr algn="ctr"/>
+              <a:endParaRPr lang="en-US"/>
+            </a:p>
+          </p:txBody>
+        </p:sp>
+        <p:sp>
+          <p:nvSpPr>
+            <p:cNvPr id="3" name="Rectangle 2">
+              <a:extLst>
+                <a:ext uri="{FF2B5EF4-FFF2-40B4-BE49-F238E27FC236}">
+                  <a16:creationId xmlns:a16="http://schemas.microsoft.com/office/drawing/2014/main" id="{3A81B6D7-2470-4E89-49BC-9D3525D9C383}"/>
+                </a:ext>
+              </a:extLst>
+            </p:cNvPr>
+            <p:cNvSpPr>
+              <a:spLocks noChangeAspect="1"/>
+            </p:cNvSpPr>
+            <p:nvPr/>
+          </p:nvSpPr>
+          <p:spPr>
+            <a:xfrm>
+              <a:off x="6096000" y="921590"/>
+              <a:ext cx="1582270" cy="1582270"/>
+            </a:xfrm>
+            <a:prstGeom prst="rect">
+              <a:avLst/>
+            </a:prstGeom>
+            <a:solidFill>
+              <a:schemeClr val="accent3"/>
+            </a:solidFill>
+            <a:ln>
+              <a:solidFill>
+                <a:schemeClr val="tx1"/>
+              </a:solidFill>
+            </a:ln>
+          </p:spPr>
+          <p:style>
+            <a:lnRef idx="2">
+              <a:schemeClr val="accent1">
+                <a:shade val="50000"/>
+              </a:schemeClr>
+            </a:lnRef>
+            <a:fillRef idx="1">
+              <a:schemeClr val="accent1"/>
+            </a:fillRef>
+            <a:effectRef idx="0">
+              <a:schemeClr val="accent1"/>
+            </a:effectRef>
+            <a:fontRef idx="minor">
+              <a:schemeClr val="lt1"/>
+            </a:fontRef>
+          </p:style>
+          <p:txBody>
+            <a:bodyPr rtlCol="0" anchor="ctr"/>
+            <a:lstStyle/>
+            <a:p>
+              <a:pPr algn="ctr"/>
+              <a:endParaRPr lang="en-US"/>
+            </a:p>
+          </p:txBody>
+        </p:sp>
+        <p:sp>
+          <p:nvSpPr>
+            <p:cNvPr id="10" name="Rectangle 9">
+              <a:extLst>
+                <a:ext uri="{FF2B5EF4-FFF2-40B4-BE49-F238E27FC236}">
+                  <a16:creationId xmlns:a16="http://schemas.microsoft.com/office/drawing/2014/main" id="{9BD020B3-3D39-0CA4-29D7-2B517B7BAB45}"/>
+                </a:ext>
+              </a:extLst>
+            </p:cNvPr>
+            <p:cNvSpPr>
+              <a:spLocks noChangeAspect="1"/>
+            </p:cNvSpPr>
+            <p:nvPr/>
+          </p:nvSpPr>
+          <p:spPr>
+            <a:xfrm>
+              <a:off x="6199665" y="1025256"/>
+              <a:ext cx="1374938" cy="1374938"/>
+            </a:xfrm>
+            <a:prstGeom prst="rect">
+              <a:avLst/>
+            </a:prstGeom>
+            <a:solidFill>
+              <a:schemeClr val="accent3">
+                <a:lumMod val="20000"/>
+                <a:lumOff val="80000"/>
+              </a:schemeClr>
+            </a:solidFill>
+            <a:ln>
+              <a:solidFill>
+                <a:schemeClr val="tx1"/>
+              </a:solidFill>
+            </a:ln>
+          </p:spPr>
+          <p:style>
+            <a:lnRef idx="2">
+              <a:schemeClr val="accent1">
+                <a:shade val="50000"/>
+              </a:schemeClr>
+            </a:lnRef>
+            <a:fillRef idx="1">
+              <a:schemeClr val="accent1"/>
+            </a:fillRef>
+            <a:effectRef idx="0">
+              <a:schemeClr val="accent1"/>
+            </a:effectRef>
+            <a:fontRef idx="minor">
+              <a:schemeClr val="lt1"/>
+            </a:fontRef>
+          </p:style>
+          <p:txBody>
+            <a:bodyPr rtlCol="0" anchor="ctr"/>
+            <a:lstStyle/>
+            <a:p>
+              <a:pPr algn="ctr"/>
+              <a:endParaRPr lang="en-US"/>
+            </a:p>
+          </p:txBody>
+        </p:sp>
+        <p:sp>
+          <p:nvSpPr>
+            <p:cNvPr id="11" name="Rectangle 10">
+              <a:extLst>
+                <a:ext uri="{FF2B5EF4-FFF2-40B4-BE49-F238E27FC236}">
+                  <a16:creationId xmlns:a16="http://schemas.microsoft.com/office/drawing/2014/main" id="{F39EA217-0B11-1DAD-5388-D0E9014EF8E6}"/>
+                </a:ext>
+              </a:extLst>
+            </p:cNvPr>
+            <p:cNvSpPr/>
+            <p:nvPr/>
+          </p:nvSpPr>
+          <p:spPr>
+            <a:xfrm>
+              <a:off x="6095999" y="4086130"/>
+              <a:ext cx="1582271" cy="210205"/>
+            </a:xfrm>
+            <a:prstGeom prst="rect">
+              <a:avLst/>
+            </a:prstGeom>
+            <a:solidFill>
+              <a:schemeClr val="bg1"/>
+            </a:solidFill>
+            <a:ln>
+              <a:solidFill>
+                <a:schemeClr val="tx1"/>
+              </a:solidFill>
+            </a:ln>
+          </p:spPr>
+          <p:style>
+            <a:lnRef idx="2">
+              <a:schemeClr val="accent1">
+                <a:shade val="50000"/>
+              </a:schemeClr>
+            </a:lnRef>
+            <a:fillRef idx="1">
+              <a:schemeClr val="accent1"/>
+            </a:fillRef>
+            <a:effectRef idx="0">
+              <a:schemeClr val="accent1"/>
+            </a:effectRef>
+            <a:fontRef idx="minor">
+              <a:schemeClr val="lt1"/>
+            </a:fontRef>
+          </p:style>
+          <p:txBody>
+            <a:bodyPr rtlCol="0" anchor="ctr"/>
+            <a:lstStyle/>
+            <a:p>
+              <a:pPr algn="ctr"/>
+              <a:endParaRPr lang="en-US"/>
+            </a:p>
+          </p:txBody>
+        </p:sp>
+        <p:sp>
+          <p:nvSpPr>
+            <p:cNvPr id="12" name="Rectangle 11">
+              <a:extLst>
+                <a:ext uri="{FF2B5EF4-FFF2-40B4-BE49-F238E27FC236}">
+                  <a16:creationId xmlns:a16="http://schemas.microsoft.com/office/drawing/2014/main" id="{7E133698-FBAC-FD1A-87A0-38EF59EBC377}"/>
+                </a:ext>
+              </a:extLst>
+            </p:cNvPr>
+            <p:cNvSpPr>
+              <a:spLocks noChangeAspect="1"/>
+            </p:cNvSpPr>
+            <p:nvPr/>
+          </p:nvSpPr>
+          <p:spPr>
+            <a:xfrm>
+              <a:off x="5885794" y="4086130"/>
+              <a:ext cx="210206" cy="210206"/>
+            </a:xfrm>
+            <a:prstGeom prst="rect">
+              <a:avLst/>
+            </a:prstGeom>
+            <a:solidFill>
+              <a:schemeClr val="accent3">
+                <a:lumMod val="40000"/>
+                <a:lumOff val="60000"/>
+              </a:schemeClr>
+            </a:solidFill>
+            <a:ln>
+              <a:solidFill>
+                <a:schemeClr val="tx1"/>
+              </a:solidFill>
+            </a:ln>
+          </p:spPr>
+          <p:style>
+            <a:lnRef idx="2">
+              <a:schemeClr val="accent1">
+                <a:shade val="50000"/>
+              </a:schemeClr>
+            </a:lnRef>
+            <a:fillRef idx="1">
+              <a:schemeClr val="accent1"/>
+            </a:fillRef>
+            <a:effectRef idx="0">
+              <a:schemeClr val="accent1"/>
+            </a:effectRef>
+            <a:fontRef idx="minor">
+              <a:schemeClr val="lt1"/>
+            </a:fontRef>
+          </p:style>
+          <p:txBody>
+            <a:bodyPr rtlCol="0" anchor="ctr"/>
+            <a:lstStyle/>
+            <a:p>
+              <a:pPr algn="ctr"/>
+              <a:endParaRPr lang="en-US"/>
+            </a:p>
+          </p:txBody>
+        </p:sp>
+        <p:sp>
+          <p:nvSpPr>
+            <p:cNvPr id="13" name="Rectangle 12">
+              <a:extLst>
+                <a:ext uri="{FF2B5EF4-FFF2-40B4-BE49-F238E27FC236}">
+                  <a16:creationId xmlns:a16="http://schemas.microsoft.com/office/drawing/2014/main" id="{C87F5F8B-34AA-34BC-5503-0297DEE141A4}"/>
+                </a:ext>
+              </a:extLst>
+            </p:cNvPr>
+            <p:cNvSpPr/>
+            <p:nvPr/>
+          </p:nvSpPr>
+          <p:spPr>
+            <a:xfrm>
+              <a:off x="6095999" y="4697971"/>
+              <a:ext cx="788895" cy="210205"/>
+            </a:xfrm>
+            <a:prstGeom prst="rect">
+              <a:avLst/>
+            </a:prstGeom>
+            <a:solidFill>
+              <a:schemeClr val="accent2">
+                <a:lumMod val="40000"/>
+                <a:lumOff val="60000"/>
+              </a:schemeClr>
+            </a:solidFill>
+            <a:ln>
+              <a:solidFill>
+                <a:schemeClr val="tx1"/>
+              </a:solidFill>
+            </a:ln>
+          </p:spPr>
+          <p:style>
+            <a:lnRef idx="2">
+              <a:schemeClr val="accent1">
+                <a:shade val="50000"/>
+              </a:schemeClr>
+            </a:lnRef>
+            <a:fillRef idx="1">
+              <a:schemeClr val="accent1"/>
+            </a:fillRef>
+            <a:effectRef idx="0">
+              <a:schemeClr val="accent1"/>
+            </a:effectRef>
+            <a:fontRef idx="minor">
+              <a:schemeClr val="lt1"/>
+            </a:fontRef>
+          </p:style>
+          <p:txBody>
+            <a:bodyPr rtlCol="0" anchor="ctr"/>
+            <a:lstStyle/>
+            <a:p>
+              <a:pPr algn="ctr"/>
+              <a:endParaRPr lang="en-US"/>
+            </a:p>
+          </p:txBody>
+        </p:sp>
+        <p:sp>
+          <p:nvSpPr>
+            <p:cNvPr id="14" name="Rectangle 13">
+              <a:extLst>
+                <a:ext uri="{FF2B5EF4-FFF2-40B4-BE49-F238E27FC236}">
+                  <a16:creationId xmlns:a16="http://schemas.microsoft.com/office/drawing/2014/main" id="{A40ED00A-78CA-6620-003E-902A8973D8B0}"/>
+                </a:ext>
+              </a:extLst>
+            </p:cNvPr>
+            <p:cNvSpPr>
+              <a:spLocks noChangeAspect="1"/>
+            </p:cNvSpPr>
+            <p:nvPr/>
+          </p:nvSpPr>
+          <p:spPr>
+            <a:xfrm>
+              <a:off x="5885794" y="4697970"/>
+              <a:ext cx="210206" cy="210206"/>
+            </a:xfrm>
+            <a:prstGeom prst="rect">
+              <a:avLst/>
+            </a:prstGeom>
+            <a:solidFill>
+              <a:schemeClr val="accent3">
+                <a:lumMod val="40000"/>
+                <a:lumOff val="60000"/>
+              </a:schemeClr>
+            </a:solidFill>
+            <a:ln>
+              <a:solidFill>
+                <a:schemeClr val="tx1"/>
+              </a:solidFill>
+            </a:ln>
+          </p:spPr>
+          <p:style>
+            <a:lnRef idx="2">
+              <a:schemeClr val="accent1">
+                <a:shade val="50000"/>
+              </a:schemeClr>
+            </a:lnRef>
+            <a:fillRef idx="1">
+              <a:schemeClr val="accent1"/>
+            </a:fillRef>
+            <a:effectRef idx="0">
+              <a:schemeClr val="accent1"/>
+            </a:effectRef>
+            <a:fontRef idx="minor">
+              <a:schemeClr val="lt1"/>
+            </a:fontRef>
+          </p:style>
+          <p:txBody>
+            <a:bodyPr rtlCol="0" anchor="ctr"/>
+            <a:lstStyle/>
+            <a:p>
+              <a:pPr algn="ctr"/>
+              <a:endParaRPr lang="en-US"/>
+            </a:p>
+          </p:txBody>
+        </p:sp>
+        <p:sp>
+          <p:nvSpPr>
+            <p:cNvPr id="16" name="Rectangle 15">
+              <a:extLst>
+                <a:ext uri="{FF2B5EF4-FFF2-40B4-BE49-F238E27FC236}">
+                  <a16:creationId xmlns:a16="http://schemas.microsoft.com/office/drawing/2014/main" id="{AA6B3DA3-E793-41DF-D04F-6489061B8D59}"/>
+                </a:ext>
+              </a:extLst>
+            </p:cNvPr>
+            <p:cNvSpPr/>
+            <p:nvPr/>
+          </p:nvSpPr>
+          <p:spPr>
+            <a:xfrm>
+              <a:off x="6884894" y="4697971"/>
+              <a:ext cx="788895" cy="210205"/>
+            </a:xfrm>
+            <a:prstGeom prst="rect">
+              <a:avLst/>
+            </a:prstGeom>
+            <a:solidFill>
+              <a:schemeClr val="bg1"/>
+            </a:solidFill>
+            <a:ln>
+              <a:solidFill>
+                <a:schemeClr val="tx1"/>
+              </a:solidFill>
+            </a:ln>
+          </p:spPr>
+          <p:style>
+            <a:lnRef idx="2">
+              <a:schemeClr val="accent1">
+                <a:shade val="50000"/>
+              </a:schemeClr>
+            </a:lnRef>
+            <a:fillRef idx="1">
+              <a:schemeClr val="accent1"/>
+            </a:fillRef>
+            <a:effectRef idx="0">
+              <a:schemeClr val="accent1"/>
+            </a:effectRef>
+            <a:fontRef idx="minor">
+              <a:schemeClr val="lt1"/>
+            </a:fontRef>
+          </p:style>
+          <p:txBody>
+            <a:bodyPr rtlCol="0" anchor="ctr"/>
+            <a:lstStyle/>
+            <a:p>
+              <a:pPr algn="ctr"/>
+              <a:endParaRPr lang="en-US"/>
+            </a:p>
+          </p:txBody>
+        </p:sp>
+        <p:sp>
+          <p:nvSpPr>
+            <p:cNvPr id="17" name="Block Arc 16">
+              <a:extLst>
+                <a:ext uri="{FF2B5EF4-FFF2-40B4-BE49-F238E27FC236}">
+                  <a16:creationId xmlns:a16="http://schemas.microsoft.com/office/drawing/2014/main" id="{AE484F73-E5F4-1B28-115F-BE0935BA7868}"/>
+                </a:ext>
+              </a:extLst>
+            </p:cNvPr>
+            <p:cNvSpPr>
+              <a:spLocks noChangeAspect="1"/>
+            </p:cNvSpPr>
+            <p:nvPr/>
+          </p:nvSpPr>
+          <p:spPr>
+            <a:xfrm rot="5400000">
+              <a:off x="7268495" y="4086129"/>
+              <a:ext cx="822047" cy="822047"/>
+            </a:xfrm>
+            <a:prstGeom prst="blockArc">
+              <a:avLst/>
+            </a:prstGeom>
+            <a:solidFill>
+              <a:schemeClr val="bg1"/>
+            </a:solidFill>
+            <a:ln>
+              <a:solidFill>
+                <a:schemeClr val="tx1"/>
+              </a:solidFill>
+            </a:ln>
+          </p:spPr>
+          <p:style>
+            <a:lnRef idx="2">
+              <a:schemeClr val="accent1">
+                <a:shade val="50000"/>
+              </a:schemeClr>
+            </a:lnRef>
+            <a:fillRef idx="1">
+              <a:schemeClr val="accent1"/>
+            </a:fillRef>
+            <a:effectRef idx="0">
+              <a:schemeClr val="accent1"/>
+            </a:effectRef>
+            <a:fontRef idx="minor">
+              <a:schemeClr val="lt1"/>
+            </a:fontRef>
+          </p:style>
+          <p:txBody>
+            <a:bodyPr rtlCol="0" anchor="ctr"/>
+            <a:lstStyle/>
+            <a:p>
+              <a:pPr algn="ctr"/>
+              <a:endParaRPr lang="en-US">
+                <a:solidFill>
+                  <a:schemeClr val="tx1"/>
+                </a:solidFill>
+              </a:endParaRPr>
+            </a:p>
+          </p:txBody>
+        </p:sp>
+        <p:sp>
+          <p:nvSpPr>
+            <p:cNvPr id="18" name="TextBox 17">
+              <a:extLst>
+                <a:ext uri="{FF2B5EF4-FFF2-40B4-BE49-F238E27FC236}">
+                  <a16:creationId xmlns:a16="http://schemas.microsoft.com/office/drawing/2014/main" id="{939C2AC1-EF9B-8F7A-8480-6928EB940BC7}"/>
+                </a:ext>
+              </a:extLst>
+            </p:cNvPr>
+            <p:cNvSpPr txBox="1"/>
+            <p:nvPr/>
+          </p:nvSpPr>
+          <p:spPr>
+            <a:xfrm>
+              <a:off x="6199665" y="1558835"/>
+              <a:ext cx="1374938" cy="307777"/>
+            </a:xfrm>
+            <a:prstGeom prst="rect">
+              <a:avLst/>
+            </a:prstGeom>
+            <a:noFill/>
+          </p:spPr>
+          <p:txBody>
+            <a:bodyPr wrap="square" rtlCol="0">
+              <a:spAutoFit/>
+            </a:bodyPr>
+            <a:lstStyle/>
+            <a:p>
+              <a:r>
+                <a:rPr lang="en-US" sz="1400" dirty="0"/>
+                <a:t>Imaging Region</a:t>
+              </a:r>
+            </a:p>
+          </p:txBody>
+        </p:sp>
+        <p:sp>
+          <p:nvSpPr>
+            <p:cNvPr id="19" name="TextBox 18">
+              <a:extLst>
+                <a:ext uri="{FF2B5EF4-FFF2-40B4-BE49-F238E27FC236}">
+                  <a16:creationId xmlns:a16="http://schemas.microsoft.com/office/drawing/2014/main" id="{C08F3794-0AF9-21B7-E3FC-EF8EB6444094}"/>
+                </a:ext>
+              </a:extLst>
+            </p:cNvPr>
+            <p:cNvSpPr txBox="1"/>
+            <p:nvPr/>
+          </p:nvSpPr>
+          <p:spPr>
+            <a:xfrm>
+              <a:off x="6095998" y="3033384"/>
+              <a:ext cx="1577792" cy="523220"/>
+            </a:xfrm>
+            <a:prstGeom prst="rect">
+              <a:avLst/>
+            </a:prstGeom>
+            <a:noFill/>
+          </p:spPr>
+          <p:txBody>
+            <a:bodyPr wrap="square" rtlCol="0">
+              <a:spAutoFit/>
+            </a:bodyPr>
+            <a:lstStyle/>
+            <a:p>
+              <a:pPr algn="ctr"/>
+              <a:r>
+                <a:rPr lang="en-US" sz="1400" dirty="0"/>
+                <a:t>Frame Store Region</a:t>
+              </a:r>
+            </a:p>
+          </p:txBody>
+        </p:sp>
+        <p:sp>
+          <p:nvSpPr>
+            <p:cNvPr id="20" name="TextBox 19">
+              <a:extLst>
+                <a:ext uri="{FF2B5EF4-FFF2-40B4-BE49-F238E27FC236}">
+                  <a16:creationId xmlns:a16="http://schemas.microsoft.com/office/drawing/2014/main" id="{E156C456-0D7B-A7EE-83A6-F67F99C4DBA2}"/>
+                </a:ext>
+              </a:extLst>
+            </p:cNvPr>
+            <p:cNvSpPr txBox="1"/>
+            <p:nvPr/>
+          </p:nvSpPr>
+          <p:spPr>
+            <a:xfrm>
+              <a:off x="4388011" y="4037343"/>
+              <a:ext cx="1497782" cy="307777"/>
+            </a:xfrm>
+            <a:prstGeom prst="rect">
+              <a:avLst/>
+            </a:prstGeom>
+            <a:noFill/>
+          </p:spPr>
+          <p:txBody>
+            <a:bodyPr wrap="none" rtlCol="0">
+              <a:spAutoFit/>
+            </a:bodyPr>
+            <a:lstStyle/>
+            <a:p>
+              <a:r>
+                <a:rPr lang="en-US" sz="1400" dirty="0"/>
+                <a:t>Standard Readout</a:t>
+              </a:r>
+            </a:p>
+          </p:txBody>
+        </p:sp>
+        <p:sp>
+          <p:nvSpPr>
+            <p:cNvPr id="21" name="TextBox 20">
+              <a:extLst>
+                <a:ext uri="{FF2B5EF4-FFF2-40B4-BE49-F238E27FC236}">
+                  <a16:creationId xmlns:a16="http://schemas.microsoft.com/office/drawing/2014/main" id="{20FE5293-F896-0DDA-9B80-597C4538B936}"/>
+                </a:ext>
+              </a:extLst>
+            </p:cNvPr>
+            <p:cNvSpPr txBox="1"/>
+            <p:nvPr/>
+          </p:nvSpPr>
+          <p:spPr>
+            <a:xfrm>
+              <a:off x="4407343" y="4649184"/>
+              <a:ext cx="1459117" cy="307777"/>
+            </a:xfrm>
+            <a:prstGeom prst="rect">
+              <a:avLst/>
+            </a:prstGeom>
+            <a:noFill/>
+          </p:spPr>
+          <p:txBody>
+            <a:bodyPr wrap="none" rtlCol="0">
+              <a:spAutoFit/>
+            </a:bodyPr>
+            <a:lstStyle/>
+            <a:p>
+              <a:r>
+                <a:rPr lang="en-US" sz="1400" dirty="0"/>
+                <a:t>EM Gain Readout</a:t>
+              </a:r>
+            </a:p>
+          </p:txBody>
+        </p:sp>
+        <p:sp>
+          <p:nvSpPr>
+            <p:cNvPr id="22" name="TextBox 21">
+              <a:extLst>
+                <a:ext uri="{FF2B5EF4-FFF2-40B4-BE49-F238E27FC236}">
+                  <a16:creationId xmlns:a16="http://schemas.microsoft.com/office/drawing/2014/main" id="{D83BA76C-56FE-925D-776C-3FD8E306FB3D}"/>
+                </a:ext>
+              </a:extLst>
+            </p:cNvPr>
+            <p:cNvSpPr txBox="1"/>
+            <p:nvPr/>
+          </p:nvSpPr>
+          <p:spPr>
+            <a:xfrm>
+              <a:off x="5773263" y="5155921"/>
+              <a:ext cx="1434367" cy="307777"/>
+            </a:xfrm>
+            <a:prstGeom prst="rect">
+              <a:avLst/>
+            </a:prstGeom>
+            <a:noFill/>
+          </p:spPr>
+          <p:txBody>
+            <a:bodyPr wrap="none" rtlCol="0">
+              <a:spAutoFit/>
+            </a:bodyPr>
+            <a:lstStyle/>
+            <a:p>
+              <a:r>
+                <a:rPr lang="en-US" sz="1400" dirty="0"/>
+                <a:t>EM Gain Register</a:t>
+              </a:r>
+            </a:p>
+          </p:txBody>
+        </p:sp>
+        <p:cxnSp>
+          <p:nvCxnSpPr>
+            <p:cNvPr id="24" name="Straight Arrow Connector 23">
+              <a:extLst>
+                <a:ext uri="{FF2B5EF4-FFF2-40B4-BE49-F238E27FC236}">
+                  <a16:creationId xmlns:a16="http://schemas.microsoft.com/office/drawing/2014/main" id="{9CA95637-DC02-A8E8-A1D3-4C58F683F015}"/>
+                </a:ext>
+              </a:extLst>
+            </p:cNvPr>
+            <p:cNvCxnSpPr>
+              <a:cxnSpLocks/>
+              <a:stCxn id="22" idx="0"/>
+              <a:endCxn id="13" idx="2"/>
+            </p:cNvCxnSpPr>
+            <p:nvPr/>
+          </p:nvCxnSpPr>
+          <p:spPr>
+            <a:xfrm flipV="1">
+              <a:off x="6490447" y="4908176"/>
+              <a:ext cx="0" cy="247745"/>
+            </a:xfrm>
+            <a:prstGeom prst="straightConnector1">
+              <a:avLst/>
+            </a:prstGeom>
+            <a:ln w="38100">
+              <a:solidFill>
+                <a:schemeClr val="tx1"/>
+              </a:solidFill>
+              <a:tailEnd type="triangle"/>
+            </a:ln>
+          </p:spPr>
+          <p:style>
+            <a:lnRef idx="1">
+              <a:schemeClr val="accent1"/>
+            </a:lnRef>
+            <a:fillRef idx="0">
+              <a:schemeClr val="accent1"/>
+            </a:fillRef>
+            <a:effectRef idx="0">
+              <a:schemeClr val="accent1"/>
+            </a:effectRef>
+            <a:fontRef idx="minor">
+              <a:schemeClr val="tx1"/>
+            </a:fontRef>
+          </p:style>
+        </p:cxnSp>
+        <p:sp>
+          <p:nvSpPr>
+            <p:cNvPr id="28" name="TextBox 27">
+              <a:extLst>
+                <a:ext uri="{FF2B5EF4-FFF2-40B4-BE49-F238E27FC236}">
+                  <a16:creationId xmlns:a16="http://schemas.microsoft.com/office/drawing/2014/main" id="{4D189C0A-2CDB-6BA0-3DA2-C9C1D0A1CF4F}"/>
+                </a:ext>
+              </a:extLst>
+            </p:cNvPr>
+            <p:cNvSpPr txBox="1"/>
+            <p:nvPr/>
+          </p:nvSpPr>
+          <p:spPr>
+            <a:xfrm>
+              <a:off x="5531914" y="4341134"/>
+              <a:ext cx="1917063" cy="307777"/>
+            </a:xfrm>
+            <a:prstGeom prst="rect">
+              <a:avLst/>
+            </a:prstGeom>
+            <a:noFill/>
+          </p:spPr>
+          <p:txBody>
+            <a:bodyPr wrap="none" rtlCol="0">
+              <a:spAutoFit/>
+            </a:bodyPr>
+            <a:lstStyle/>
+            <a:p>
+              <a:r>
+                <a:rPr lang="en-US" sz="1400" dirty="0"/>
+                <a:t>Standard Serial Register</a:t>
+              </a:r>
+            </a:p>
+          </p:txBody>
+        </p:sp>
+        <p:cxnSp>
+          <p:nvCxnSpPr>
+            <p:cNvPr id="29" name="Straight Arrow Connector 28">
+              <a:extLst>
+                <a:ext uri="{FF2B5EF4-FFF2-40B4-BE49-F238E27FC236}">
+                  <a16:creationId xmlns:a16="http://schemas.microsoft.com/office/drawing/2014/main" id="{9C94A961-9602-68C6-B6A2-1B2D2281A84E}"/>
+                </a:ext>
+              </a:extLst>
+            </p:cNvPr>
+            <p:cNvCxnSpPr>
+              <a:cxnSpLocks/>
+              <a:stCxn id="28" idx="0"/>
+              <a:endCxn id="11" idx="2"/>
+            </p:cNvCxnSpPr>
+            <p:nvPr/>
+          </p:nvCxnSpPr>
+          <p:spPr>
+            <a:xfrm flipV="1">
+              <a:off x="6490446" y="4296335"/>
+              <a:ext cx="396689" cy="44799"/>
+            </a:xfrm>
+            <a:prstGeom prst="straightConnector1">
+              <a:avLst/>
+            </a:prstGeom>
+            <a:ln w="38100">
+              <a:solidFill>
+                <a:schemeClr val="tx1"/>
+              </a:solidFill>
+              <a:tailEnd type="triangle"/>
+            </a:ln>
+          </p:spPr>
+          <p:style>
+            <a:lnRef idx="1">
+              <a:schemeClr val="accent1"/>
+            </a:lnRef>
+            <a:fillRef idx="0">
+              <a:schemeClr val="accent1"/>
+            </a:fillRef>
+            <a:effectRef idx="0">
+              <a:schemeClr val="accent1"/>
+            </a:effectRef>
+            <a:fontRef idx="minor">
+              <a:schemeClr val="tx1"/>
+            </a:fontRef>
+          </p:style>
+        </p:cxnSp>
+      </p:grpSp>
+      <p:pic>
+        <p:nvPicPr>
+          <p:cNvPr id="39" name="Picture 38">
+            <a:extLst>
+              <a:ext uri="{FF2B5EF4-FFF2-40B4-BE49-F238E27FC236}">
+                <a16:creationId xmlns:a16="http://schemas.microsoft.com/office/drawing/2014/main" id="{EA712BAF-EBDC-4A8D-6320-944C43D69DC5}"/>
+              </a:ext>
+            </a:extLst>
+          </p:cNvPr>
+          <p:cNvPicPr>
+            <a:picLocks noChangeAspect="1"/>
+          </p:cNvPicPr>
+          <p:nvPr/>
+        </p:nvPicPr>
+        <p:blipFill>
+          <a:blip r:embed="rId2"/>
+          <a:stretch>
+            <a:fillRect/>
+          </a:stretch>
+        </p:blipFill>
+        <p:spPr>
+          <a:xfrm>
+            <a:off x="7876439" y="1866612"/>
+            <a:ext cx="3724979" cy="4608975"/>
+          </a:xfrm>
+          <a:prstGeom prst="rect">
+            <a:avLst/>
+          </a:prstGeom>
+        </p:spPr>
+      </p:pic>
+    </p:spTree>
+    <p:extLst>
+      <p:ext uri="{BB962C8B-B14F-4D97-AF65-F5344CB8AC3E}">
+        <p14:creationId xmlns:p14="http://schemas.microsoft.com/office/powerpoint/2010/main" val="1357651566"/>
+      </p:ext>
+    </p:extLst>
+  </p:cSld>
+  <p:clrMapOvr>
+    <a:masterClrMapping/>
+  </p:clrMapOvr>
+</p:sld>
+</file>
+
 <file path=ppt/theme/theme1.xml><?xml version="1.0" encoding="utf-8"?>
 <a:theme xmlns:a="http://schemas.openxmlformats.org/drawingml/2006/main" name="Office Theme">
   <a:themeElements>
